--- a/创客论坛/水晶内雕礼品.pptx
+++ b/创客论坛/水晶内雕礼品.pptx
@@ -6,6 +6,7 @@
   </p:sldMasterIdLst>
   <p:sldIdLst>
     <p:sldId id="256" r:id="rId2"/>
+    <p:sldId id="257" r:id="rId3"/>
   </p:sldIdLst>
   <p:sldSz cx="9144000" cy="6858000" type="screen4x3"/>
   <p:notesSz cx="6858000" cy="9144000"/>
@@ -104,6 +105,11 @@
       </a:defRPr>
     </a:lvl9pPr>
   </p:defaultTextStyle>
+  <p:extLst>
+    <p:ext uri="{EFAFB233-063F-42B5-8137-9DF3F51BA10A}">
+      <p15:sldGuideLst xmlns:p15="http://schemas.microsoft.com/office/powerpoint/2012/main"/>
+    </p:ext>
+  </p:extLst>
 </p:presentation>
 </file>
 
@@ -238,7 +244,7 @@
           <a:p>
             <a:fld id="{5A9B8BC7-9678-4128-9DED-6AB61D592878}" type="datetimeFigureOut">
               <a:rPr lang="zh-CN" altLang="en-US" smtClean="0"/>
-              <a:t>2014/11/27</a:t>
+              <a:t>2014/11/28</a:t>
             </a:fld>
             <a:endParaRPr lang="zh-CN" altLang="en-US"/>
           </a:p>
@@ -408,7 +414,7 @@
           <a:p>
             <a:fld id="{5A9B8BC7-9678-4128-9DED-6AB61D592878}" type="datetimeFigureOut">
               <a:rPr lang="zh-CN" altLang="en-US" smtClean="0"/>
-              <a:t>2014/11/27</a:t>
+              <a:t>2014/11/28</a:t>
             </a:fld>
             <a:endParaRPr lang="zh-CN" altLang="en-US"/>
           </a:p>
@@ -588,7 +594,7 @@
           <a:p>
             <a:fld id="{5A9B8BC7-9678-4128-9DED-6AB61D592878}" type="datetimeFigureOut">
               <a:rPr lang="zh-CN" altLang="en-US" smtClean="0"/>
-              <a:t>2014/11/27</a:t>
+              <a:t>2014/11/28</a:t>
             </a:fld>
             <a:endParaRPr lang="zh-CN" altLang="en-US"/>
           </a:p>
@@ -758,7 +764,7 @@
           <a:p>
             <a:fld id="{5A9B8BC7-9678-4128-9DED-6AB61D592878}" type="datetimeFigureOut">
               <a:rPr lang="zh-CN" altLang="en-US" smtClean="0"/>
-              <a:t>2014/11/27</a:t>
+              <a:t>2014/11/28</a:t>
             </a:fld>
             <a:endParaRPr lang="zh-CN" altLang="en-US"/>
           </a:p>
@@ -1002,7 +1008,7 @@
           <a:p>
             <a:fld id="{5A9B8BC7-9678-4128-9DED-6AB61D592878}" type="datetimeFigureOut">
               <a:rPr lang="zh-CN" altLang="en-US" smtClean="0"/>
-              <a:t>2014/11/27</a:t>
+              <a:t>2014/11/28</a:t>
             </a:fld>
             <a:endParaRPr lang="zh-CN" altLang="en-US"/>
           </a:p>
@@ -1234,7 +1240,7 @@
           <a:p>
             <a:fld id="{5A9B8BC7-9678-4128-9DED-6AB61D592878}" type="datetimeFigureOut">
               <a:rPr lang="zh-CN" altLang="en-US" smtClean="0"/>
-              <a:t>2014/11/27</a:t>
+              <a:t>2014/11/28</a:t>
             </a:fld>
             <a:endParaRPr lang="zh-CN" altLang="en-US"/>
           </a:p>
@@ -1601,7 +1607,7 @@
           <a:p>
             <a:fld id="{5A9B8BC7-9678-4128-9DED-6AB61D592878}" type="datetimeFigureOut">
               <a:rPr lang="zh-CN" altLang="en-US" smtClean="0"/>
-              <a:t>2014/11/27</a:t>
+              <a:t>2014/11/28</a:t>
             </a:fld>
             <a:endParaRPr lang="zh-CN" altLang="en-US"/>
           </a:p>
@@ -1719,7 +1725,7 @@
           <a:p>
             <a:fld id="{5A9B8BC7-9678-4128-9DED-6AB61D592878}" type="datetimeFigureOut">
               <a:rPr lang="zh-CN" altLang="en-US" smtClean="0"/>
-              <a:t>2014/11/27</a:t>
+              <a:t>2014/11/28</a:t>
             </a:fld>
             <a:endParaRPr lang="zh-CN" altLang="en-US"/>
           </a:p>
@@ -1814,7 +1820,7 @@
           <a:p>
             <a:fld id="{5A9B8BC7-9678-4128-9DED-6AB61D592878}" type="datetimeFigureOut">
               <a:rPr lang="zh-CN" altLang="en-US" smtClean="0"/>
-              <a:t>2014/11/27</a:t>
+              <a:t>2014/11/28</a:t>
             </a:fld>
             <a:endParaRPr lang="zh-CN" altLang="en-US"/>
           </a:p>
@@ -2091,7 +2097,7 @@
           <a:p>
             <a:fld id="{5A9B8BC7-9678-4128-9DED-6AB61D592878}" type="datetimeFigureOut">
               <a:rPr lang="zh-CN" altLang="en-US" smtClean="0"/>
-              <a:t>2014/11/27</a:t>
+              <a:t>2014/11/28</a:t>
             </a:fld>
             <a:endParaRPr lang="zh-CN" altLang="en-US"/>
           </a:p>
@@ -2348,7 +2354,7 @@
           <a:p>
             <a:fld id="{5A9B8BC7-9678-4128-9DED-6AB61D592878}" type="datetimeFigureOut">
               <a:rPr lang="zh-CN" altLang="en-US" smtClean="0"/>
-              <a:t>2014/11/27</a:t>
+              <a:t>2014/11/28</a:t>
             </a:fld>
             <a:endParaRPr lang="zh-CN" altLang="en-US"/>
           </a:p>
@@ -2561,7 +2567,7 @@
           <a:p>
             <a:fld id="{5A9B8BC7-9678-4128-9DED-6AB61D592878}" type="datetimeFigureOut">
               <a:rPr lang="zh-CN" altLang="en-US" smtClean="0"/>
-              <a:t>2014/11/27</a:t>
+              <a:t>2014/11/28</a:t>
             </a:fld>
             <a:endParaRPr lang="zh-CN" altLang="en-US"/>
           </a:p>
@@ -3123,8 +3129,8 @@
           </p:nvSpPr>
           <p:spPr>
             <a:xfrm>
-              <a:off x="2583702" y="4347980"/>
-              <a:ext cx="1950720" cy="646331"/>
+              <a:off x="2473234" y="4347980"/>
+              <a:ext cx="2171656" cy="646331"/>
             </a:xfrm>
             <a:prstGeom prst="rect">
               <a:avLst/>
@@ -3144,23 +3150,7 @@
                   <a:ea typeface="Arial Unicode MS" panose="020B0604020202020204" pitchFamily="34" charset="-122"/>
                   <a:cs typeface="Arial Unicode MS" panose="020B0604020202020204" pitchFamily="34" charset="-122"/>
                 </a:rPr>
-                <a:t>The 1</a:t>
-              </a:r>
-              <a:r>
-                <a:rPr lang="en-US" altLang="zh-CN" baseline="30000" dirty="0" smtClean="0">
-                  <a:latin typeface="Arial Unicode MS" panose="020B0604020202020204" pitchFamily="34" charset="-122"/>
-                  <a:ea typeface="Arial Unicode MS" panose="020B0604020202020204" pitchFamily="34" charset="-122"/>
-                  <a:cs typeface="Arial Unicode MS" panose="020B0604020202020204" pitchFamily="34" charset="-122"/>
-                </a:rPr>
-                <a:t>st</a:t>
-              </a:r>
-              <a:r>
-                <a:rPr lang="en-US" altLang="zh-CN" dirty="0" smtClean="0">
-                  <a:latin typeface="Arial Unicode MS" panose="020B0604020202020204" pitchFamily="34" charset="-122"/>
-                  <a:ea typeface="Arial Unicode MS" panose="020B0604020202020204" pitchFamily="34" charset="-122"/>
-                  <a:cs typeface="Arial Unicode MS" panose="020B0604020202020204" pitchFamily="34" charset="-122"/>
-                </a:rPr>
-                <a:t> Tsinghua Makers’ Day</a:t>
+                <a:t>The First Tsinghua Makers’ Day</a:t>
               </a:r>
               <a:endParaRPr lang="zh-CN" altLang="en-US" dirty="0">
                 <a:latin typeface="Arial Unicode MS" panose="020B0604020202020204" pitchFamily="34" charset="-122"/>
@@ -3215,8 +3205,21 @@
                   <a:ea typeface="Arial Unicode MS" panose="020B0604020202020204" pitchFamily="34" charset="-122"/>
                   <a:cs typeface="Arial Unicode MS" panose="020B0604020202020204" pitchFamily="34" charset="-122"/>
                 </a:rPr>
-                <a:t>Tsinghua U., Beijing, China. </a:t>
+                <a:t>Tsinghua U., Beijing</a:t>
               </a:r>
+              <a:r>
+                <a:rPr lang="en-US" altLang="zh-CN" sz="1100" smtClean="0">
+                  <a:latin typeface="Arial Unicode MS" panose="020B0604020202020204" pitchFamily="34" charset="-122"/>
+                  <a:ea typeface="Arial Unicode MS" panose="020B0604020202020204" pitchFamily="34" charset="-122"/>
+                  <a:cs typeface="Arial Unicode MS" panose="020B0604020202020204" pitchFamily="34" charset="-122"/>
+                </a:rPr>
+                <a:t>, China </a:t>
+              </a:r>
+              <a:endParaRPr lang="en-US" altLang="zh-CN" sz="1100" dirty="0" smtClean="0">
+                <a:latin typeface="Arial Unicode MS" panose="020B0604020202020204" pitchFamily="34" charset="-122"/>
+                <a:ea typeface="Arial Unicode MS" panose="020B0604020202020204" pitchFamily="34" charset="-122"/>
+                <a:cs typeface="Arial Unicode MS" panose="020B0604020202020204" pitchFamily="34" charset="-122"/>
+              </a:endParaRPr>
             </a:p>
             <a:p>
               <a:pPr algn="ctr"/>
@@ -3302,6 +3305,425 @@
     <p:extLst>
       <p:ext uri="{BB962C8B-B14F-4D97-AF65-F5344CB8AC3E}">
         <p14:creationId xmlns:p14="http://schemas.microsoft.com/office/powerpoint/2010/main" val="1874146162"/>
+      </p:ext>
+    </p:extLst>
+  </p:cSld>
+  <p:clrMapOvr>
+    <a:masterClrMapping/>
+  </p:clrMapOvr>
+</p:sld>
+</file>
+
+<file path=ppt/slides/slide2.xml><?xml version="1.0" encoding="utf-8"?>
+<p:sld xmlns:a="http://schemas.openxmlformats.org/drawingml/2006/main" xmlns:r="http://schemas.openxmlformats.org/officeDocument/2006/relationships" xmlns:p="http://schemas.openxmlformats.org/presentationml/2006/main">
+  <p:cSld>
+    <p:bg>
+      <p:bgPr>
+        <a:solidFill>
+          <a:schemeClr val="tx1"/>
+        </a:solidFill>
+        <a:effectLst/>
+      </p:bgPr>
+    </p:bg>
+    <p:spTree>
+      <p:nvGrpSpPr>
+        <p:cNvPr id="1" name=""/>
+        <p:cNvGrpSpPr/>
+        <p:nvPr/>
+      </p:nvGrpSpPr>
+      <p:grpSpPr>
+        <a:xfrm>
+          <a:off x="0" y="0"/>
+          <a:ext cx="0" cy="0"/>
+          <a:chOff x="0" y="0"/>
+          <a:chExt cx="0" cy="0"/>
+        </a:xfrm>
+      </p:grpSpPr>
+      <p:sp>
+        <p:nvSpPr>
+          <p:cNvPr id="8" name="任意多边形 7"/>
+          <p:cNvSpPr/>
+          <p:nvPr/>
+        </p:nvSpPr>
+        <p:spPr>
+          <a:xfrm rot="8100000">
+            <a:off x="3082635" y="164958"/>
+            <a:ext cx="3052800" cy="1526401"/>
+          </a:xfrm>
+          <a:custGeom>
+            <a:avLst/>
+            <a:gdLst>
+              <a:gd name="connsiteX0" fmla="*/ 1526400 w 3052800"/>
+              <a:gd name="connsiteY0" fmla="*/ 1526401 h 1526401"/>
+              <a:gd name="connsiteX1" fmla="*/ 1526400 w 3052800"/>
+              <a:gd name="connsiteY1" fmla="*/ 1526400 h 1526401"/>
+              <a:gd name="connsiteX2" fmla="*/ 0 w 3052800"/>
+              <a:gd name="connsiteY2" fmla="*/ 0 h 1526401"/>
+              <a:gd name="connsiteX3" fmla="*/ 1526400 w 3052800"/>
+              <a:gd name="connsiteY3" fmla="*/ 0 h 1526401"/>
+              <a:gd name="connsiteX4" fmla="*/ 1526400 w 3052800"/>
+              <a:gd name="connsiteY4" fmla="*/ 1 h 1526401"/>
+              <a:gd name="connsiteX5" fmla="*/ 3052800 w 3052800"/>
+              <a:gd name="connsiteY5" fmla="*/ 1526401 h 1526401"/>
+            </a:gdLst>
+            <a:ahLst/>
+            <a:cxnLst>
+              <a:cxn ang="0">
+                <a:pos x="connsiteX0" y="connsiteY0"/>
+              </a:cxn>
+              <a:cxn ang="0">
+                <a:pos x="connsiteX1" y="connsiteY1"/>
+              </a:cxn>
+              <a:cxn ang="0">
+                <a:pos x="connsiteX2" y="connsiteY2"/>
+              </a:cxn>
+              <a:cxn ang="0">
+                <a:pos x="connsiteX3" y="connsiteY3"/>
+              </a:cxn>
+              <a:cxn ang="0">
+                <a:pos x="connsiteX4" y="connsiteY4"/>
+              </a:cxn>
+              <a:cxn ang="0">
+                <a:pos x="connsiteX5" y="connsiteY5"/>
+              </a:cxn>
+            </a:cxnLst>
+            <a:rect l="l" t="t" r="r" b="b"/>
+            <a:pathLst>
+              <a:path w="3052800" h="1526401">
+                <a:moveTo>
+                  <a:pt x="1526400" y="1526401"/>
+                </a:moveTo>
+                <a:lnTo>
+                  <a:pt x="1526400" y="1526400"/>
+                </a:lnTo>
+                <a:lnTo>
+                  <a:pt x="0" y="0"/>
+                </a:lnTo>
+                <a:lnTo>
+                  <a:pt x="1526400" y="0"/>
+                </a:lnTo>
+                <a:lnTo>
+                  <a:pt x="1526400" y="1"/>
+                </a:lnTo>
+                <a:lnTo>
+                  <a:pt x="3052800" y="1526401"/>
+                </a:lnTo>
+                <a:close/>
+              </a:path>
+            </a:pathLst>
+          </a:custGeom>
+          <a:solidFill>
+            <a:schemeClr val="bg1"/>
+          </a:solidFill>
+          <a:ln>
+            <a:noFill/>
+          </a:ln>
+        </p:spPr>
+        <p:style>
+          <a:lnRef idx="2">
+            <a:schemeClr val="accent1">
+              <a:shade val="50000"/>
+            </a:schemeClr>
+          </a:lnRef>
+          <a:fillRef idx="1">
+            <a:schemeClr val="accent1"/>
+          </a:fillRef>
+          <a:effectRef idx="0">
+            <a:schemeClr val="accent1"/>
+          </a:effectRef>
+          <a:fontRef idx="minor">
+            <a:schemeClr val="lt1"/>
+          </a:fontRef>
+        </p:style>
+        <p:txBody>
+          <a:bodyPr rtlCol="0" anchor="ctr"/>
+          <a:lstStyle/>
+          <a:p>
+            <a:pPr algn="ctr"/>
+            <a:endParaRPr lang="zh-CN" altLang="en-US"/>
+          </a:p>
+        </p:txBody>
+      </p:sp>
+      <p:sp>
+        <p:nvSpPr>
+          <p:cNvPr id="9" name="直角三角形 8"/>
+          <p:cNvSpPr/>
+          <p:nvPr/>
+        </p:nvSpPr>
+        <p:spPr>
+          <a:xfrm rot="5400000">
+            <a:off x="535926" y="603147"/>
+            <a:ext cx="2160000" cy="2160000"/>
+          </a:xfrm>
+          <a:prstGeom prst="rtTriangle">
+            <a:avLst/>
+          </a:prstGeom>
+          <a:solidFill>
+            <a:schemeClr val="bg1"/>
+          </a:solidFill>
+          <a:ln>
+            <a:noFill/>
+          </a:ln>
+        </p:spPr>
+        <p:style>
+          <a:lnRef idx="2">
+            <a:schemeClr val="accent1">
+              <a:shade val="50000"/>
+            </a:schemeClr>
+          </a:lnRef>
+          <a:fillRef idx="1">
+            <a:schemeClr val="accent1"/>
+          </a:fillRef>
+          <a:effectRef idx="0">
+            <a:schemeClr val="accent1"/>
+          </a:effectRef>
+          <a:fontRef idx="minor">
+            <a:schemeClr val="lt1"/>
+          </a:fontRef>
+        </p:style>
+        <p:txBody>
+          <a:bodyPr rtlCol="0" anchor="ctr"/>
+          <a:lstStyle/>
+          <a:p>
+            <a:pPr algn="ctr"/>
+            <a:endParaRPr lang="zh-CN" altLang="en-US"/>
+          </a:p>
+        </p:txBody>
+      </p:sp>
+      <p:sp>
+        <p:nvSpPr>
+          <p:cNvPr id="10" name="直角三角形 9"/>
+          <p:cNvSpPr/>
+          <p:nvPr/>
+        </p:nvSpPr>
+        <p:spPr>
+          <a:xfrm rot="2700000">
+            <a:off x="6860480" y="1236270"/>
+            <a:ext cx="3053751" cy="3053751"/>
+          </a:xfrm>
+          <a:prstGeom prst="rtTriangle">
+            <a:avLst/>
+          </a:prstGeom>
+          <a:solidFill>
+            <a:schemeClr val="bg1"/>
+          </a:solidFill>
+          <a:ln>
+            <a:noFill/>
+          </a:ln>
+        </p:spPr>
+        <p:style>
+          <a:lnRef idx="2">
+            <a:schemeClr val="accent1">
+              <a:shade val="50000"/>
+            </a:schemeClr>
+          </a:lnRef>
+          <a:fillRef idx="1">
+            <a:schemeClr val="accent1"/>
+          </a:fillRef>
+          <a:effectRef idx="0">
+            <a:schemeClr val="accent1"/>
+          </a:effectRef>
+          <a:fontRef idx="minor">
+            <a:schemeClr val="lt1"/>
+          </a:fontRef>
+        </p:style>
+        <p:txBody>
+          <a:bodyPr rtlCol="0" anchor="ctr"/>
+          <a:lstStyle/>
+          <a:p>
+            <a:pPr algn="ctr"/>
+            <a:endParaRPr lang="zh-CN" altLang="en-US"/>
+          </a:p>
+        </p:txBody>
+      </p:sp>
+      <p:sp>
+        <p:nvSpPr>
+          <p:cNvPr id="11" name="直角三角形 10"/>
+          <p:cNvSpPr/>
+          <p:nvPr/>
+        </p:nvSpPr>
+        <p:spPr>
+          <a:xfrm rot="18900000">
+            <a:off x="2717938" y="1314574"/>
+            <a:ext cx="1526400" cy="1526400"/>
+          </a:xfrm>
+          <a:prstGeom prst="rtTriangle">
+            <a:avLst/>
+          </a:prstGeom>
+          <a:solidFill>
+            <a:schemeClr val="bg1"/>
+          </a:solidFill>
+          <a:ln>
+            <a:noFill/>
+          </a:ln>
+        </p:spPr>
+        <p:style>
+          <a:lnRef idx="2">
+            <a:schemeClr val="accent1">
+              <a:shade val="50000"/>
+            </a:schemeClr>
+          </a:lnRef>
+          <a:fillRef idx="1">
+            <a:schemeClr val="accent1"/>
+          </a:fillRef>
+          <a:effectRef idx="0">
+            <a:schemeClr val="accent1"/>
+          </a:effectRef>
+          <a:fontRef idx="minor">
+            <a:schemeClr val="lt1"/>
+          </a:fontRef>
+        </p:style>
+        <p:txBody>
+          <a:bodyPr rtlCol="0" anchor="ctr"/>
+          <a:lstStyle/>
+          <a:p>
+            <a:pPr algn="ctr"/>
+            <a:endParaRPr lang="zh-CN" altLang="en-US"/>
+          </a:p>
+        </p:txBody>
+      </p:sp>
+      <p:sp>
+        <p:nvSpPr>
+          <p:cNvPr id="12" name="矩形 11"/>
+          <p:cNvSpPr/>
+          <p:nvPr/>
+        </p:nvSpPr>
+        <p:spPr>
+          <a:xfrm rot="2700000">
+            <a:off x="1638610" y="3295270"/>
+            <a:ext cx="1526400" cy="1526400"/>
+          </a:xfrm>
+          <a:prstGeom prst="rect">
+            <a:avLst/>
+          </a:prstGeom>
+          <a:solidFill>
+            <a:schemeClr val="bg1"/>
+          </a:solidFill>
+          <a:ln>
+            <a:noFill/>
+          </a:ln>
+        </p:spPr>
+        <p:style>
+          <a:lnRef idx="2">
+            <a:schemeClr val="accent1">
+              <a:shade val="50000"/>
+            </a:schemeClr>
+          </a:lnRef>
+          <a:fillRef idx="1">
+            <a:schemeClr val="accent1"/>
+          </a:fillRef>
+          <a:effectRef idx="0">
+            <a:schemeClr val="accent1"/>
+          </a:effectRef>
+          <a:fontRef idx="minor">
+            <a:schemeClr val="lt1"/>
+          </a:fontRef>
+        </p:style>
+        <p:txBody>
+          <a:bodyPr rtlCol="0" anchor="ctr"/>
+          <a:lstStyle/>
+          <a:p>
+            <a:pPr algn="ctr"/>
+            <a:endParaRPr lang="zh-CN" altLang="en-US"/>
+          </a:p>
+        </p:txBody>
+      </p:sp>
+      <p:sp>
+        <p:nvSpPr>
+          <p:cNvPr id="13" name="直角三角形 12"/>
+          <p:cNvSpPr/>
+          <p:nvPr/>
+        </p:nvSpPr>
+        <p:spPr>
+          <a:xfrm rot="13500000">
+            <a:off x="280074" y="4662455"/>
+            <a:ext cx="1526400" cy="1526400"/>
+          </a:xfrm>
+          <a:prstGeom prst="rtTriangle">
+            <a:avLst/>
+          </a:prstGeom>
+          <a:solidFill>
+            <a:schemeClr val="bg1"/>
+          </a:solidFill>
+          <a:ln>
+            <a:noFill/>
+          </a:ln>
+        </p:spPr>
+        <p:style>
+          <a:lnRef idx="2">
+            <a:schemeClr val="accent1">
+              <a:shade val="50000"/>
+            </a:schemeClr>
+          </a:lnRef>
+          <a:fillRef idx="1">
+            <a:schemeClr val="accent1"/>
+          </a:fillRef>
+          <a:effectRef idx="0">
+            <a:schemeClr val="accent1"/>
+          </a:effectRef>
+          <a:fontRef idx="minor">
+            <a:schemeClr val="lt1"/>
+          </a:fontRef>
+        </p:style>
+        <p:txBody>
+          <a:bodyPr rtlCol="0" anchor="ctr"/>
+          <a:lstStyle/>
+          <a:p>
+            <a:pPr algn="ctr"/>
+            <a:endParaRPr lang="zh-CN" altLang="en-US"/>
+          </a:p>
+        </p:txBody>
+      </p:sp>
+      <p:sp>
+        <p:nvSpPr>
+          <p:cNvPr id="15" name="直角三角形 14"/>
+          <p:cNvSpPr/>
+          <p:nvPr/>
+        </p:nvSpPr>
+        <p:spPr>
+          <a:xfrm rot="8100000">
+            <a:off x="3547532" y="4978107"/>
+            <a:ext cx="3053751" cy="3053751"/>
+          </a:xfrm>
+          <a:prstGeom prst="rtTriangle">
+            <a:avLst/>
+          </a:prstGeom>
+          <a:solidFill>
+            <a:schemeClr val="bg1"/>
+          </a:solidFill>
+          <a:ln>
+            <a:noFill/>
+          </a:ln>
+        </p:spPr>
+        <p:style>
+          <a:lnRef idx="2">
+            <a:schemeClr val="accent1">
+              <a:shade val="50000"/>
+            </a:schemeClr>
+          </a:lnRef>
+          <a:fillRef idx="1">
+            <a:schemeClr val="accent1"/>
+          </a:fillRef>
+          <a:effectRef idx="0">
+            <a:schemeClr val="accent1"/>
+          </a:effectRef>
+          <a:fontRef idx="minor">
+            <a:schemeClr val="lt1"/>
+          </a:fontRef>
+        </p:style>
+        <p:txBody>
+          <a:bodyPr rtlCol="0" anchor="ctr"/>
+          <a:lstStyle/>
+          <a:p>
+            <a:pPr algn="ctr"/>
+            <a:endParaRPr lang="zh-CN" altLang="en-US"/>
+          </a:p>
+        </p:txBody>
+      </p:sp>
+    </p:spTree>
+    <p:extLst>
+      <p:ext uri="{BB962C8B-B14F-4D97-AF65-F5344CB8AC3E}">
+        <p14:creationId xmlns:p14="http://schemas.microsoft.com/office/powerpoint/2010/main" val="3985263744"/>
       </p:ext>
     </p:extLst>
   </p:cSld>
